--- a/docs/diagrams/Diagrams2.pptx
+++ b/docs/diagrams/Diagrams2.pptx
@@ -215,7 +215,7 @@
           <a:p>
             <a:fld id="{F5CC4B3F-88C1-4FFA-B1B6-F41C21DC6924}" type="datetimeFigureOut">
               <a:rPr lang="en-US" smtClean="0"/>
-              <a:t>10/7/2016</a:t>
+              <a:t>10/13/2016</a:t>
             </a:fld>
             <a:endParaRPr lang="en-US"/>
           </a:p>
@@ -664,7 +664,7 @@
           <a:p>
             <a:fld id="{78C97017-6FC3-485B-9764-EAC9E56C1D49}" type="datetimeFigureOut">
               <a:rPr lang="en-US" smtClean="0"/>
-              <a:t>10/7/2016</a:t>
+              <a:t>10/13/2016</a:t>
             </a:fld>
             <a:endParaRPr lang="en-US"/>
           </a:p>
@@ -834,7 +834,7 @@
           <a:p>
             <a:fld id="{78C97017-6FC3-485B-9764-EAC9E56C1D49}" type="datetimeFigureOut">
               <a:rPr lang="en-US" smtClean="0"/>
-              <a:t>10/7/2016</a:t>
+              <a:t>10/13/2016</a:t>
             </a:fld>
             <a:endParaRPr lang="en-US"/>
           </a:p>
@@ -1014,7 +1014,7 @@
           <a:p>
             <a:fld id="{78C97017-6FC3-485B-9764-EAC9E56C1D49}" type="datetimeFigureOut">
               <a:rPr lang="en-US" smtClean="0"/>
-              <a:t>10/7/2016</a:t>
+              <a:t>10/13/2016</a:t>
             </a:fld>
             <a:endParaRPr lang="en-US"/>
           </a:p>
@@ -1184,7 +1184,7 @@
           <a:p>
             <a:fld id="{78C97017-6FC3-485B-9764-EAC9E56C1D49}" type="datetimeFigureOut">
               <a:rPr lang="en-US" smtClean="0"/>
-              <a:t>10/7/2016</a:t>
+              <a:t>10/13/2016</a:t>
             </a:fld>
             <a:endParaRPr lang="en-US"/>
           </a:p>
@@ -1430,7 +1430,7 @@
           <a:p>
             <a:fld id="{78C97017-6FC3-485B-9764-EAC9E56C1D49}" type="datetimeFigureOut">
               <a:rPr lang="en-US" smtClean="0"/>
-              <a:t>10/7/2016</a:t>
+              <a:t>10/13/2016</a:t>
             </a:fld>
             <a:endParaRPr lang="en-US"/>
           </a:p>
@@ -1718,7 +1718,7 @@
           <a:p>
             <a:fld id="{78C97017-6FC3-485B-9764-EAC9E56C1D49}" type="datetimeFigureOut">
               <a:rPr lang="en-US" smtClean="0"/>
-              <a:t>10/7/2016</a:t>
+              <a:t>10/13/2016</a:t>
             </a:fld>
             <a:endParaRPr lang="en-US"/>
           </a:p>
@@ -2140,7 +2140,7 @@
           <a:p>
             <a:fld id="{78C97017-6FC3-485B-9764-EAC9E56C1D49}" type="datetimeFigureOut">
               <a:rPr lang="en-US" smtClean="0"/>
-              <a:t>10/7/2016</a:t>
+              <a:t>10/13/2016</a:t>
             </a:fld>
             <a:endParaRPr lang="en-US"/>
           </a:p>
@@ -2258,7 +2258,7 @@
           <a:p>
             <a:fld id="{78C97017-6FC3-485B-9764-EAC9E56C1D49}" type="datetimeFigureOut">
               <a:rPr lang="en-US" smtClean="0"/>
-              <a:t>10/7/2016</a:t>
+              <a:t>10/13/2016</a:t>
             </a:fld>
             <a:endParaRPr lang="en-US"/>
           </a:p>
@@ -2353,7 +2353,7 @@
           <a:p>
             <a:fld id="{78C97017-6FC3-485B-9764-EAC9E56C1D49}" type="datetimeFigureOut">
               <a:rPr lang="en-US" smtClean="0"/>
-              <a:t>10/7/2016</a:t>
+              <a:t>10/13/2016</a:t>
             </a:fld>
             <a:endParaRPr lang="en-US"/>
           </a:p>
@@ -2630,7 +2630,7 @@
           <a:p>
             <a:fld id="{78C97017-6FC3-485B-9764-EAC9E56C1D49}" type="datetimeFigureOut">
               <a:rPr lang="en-US" smtClean="0"/>
-              <a:t>10/7/2016</a:t>
+              <a:t>10/13/2016</a:t>
             </a:fld>
             <a:endParaRPr lang="en-US"/>
           </a:p>
@@ -2883,7 +2883,7 @@
           <a:p>
             <a:fld id="{78C97017-6FC3-485B-9764-EAC9E56C1D49}" type="datetimeFigureOut">
               <a:rPr lang="en-US" smtClean="0"/>
-              <a:t>10/7/2016</a:t>
+              <a:t>10/13/2016</a:t>
             </a:fld>
             <a:endParaRPr lang="en-US"/>
           </a:p>
@@ -3096,7 +3096,7 @@
           <a:p>
             <a:fld id="{78C97017-6FC3-485B-9764-EAC9E56C1D49}" type="datetimeFigureOut">
               <a:rPr lang="en-US" smtClean="0"/>
-              <a:t>10/7/2016</a:t>
+              <a:t>10/13/2016</a:t>
             </a:fld>
             <a:endParaRPr lang="en-US"/>
           </a:p>
@@ -10057,17 +10057,7 @@
                   </a:schemeClr>
                 </a:solidFill>
               </a:rPr>
-              <a:t>List</a:t>
-            </a:r>
-            <a:r>
-              <a:rPr lang="en-US" sz="1050" b="1" dirty="0" err="1" smtClean="0">
-                <a:solidFill>
-                  <a:schemeClr val="accent3">
-                    <a:lumMod val="75000"/>
-                  </a:schemeClr>
-                </a:solidFill>
-              </a:rPr>
-              <a:t>Panel</a:t>
+              <a:t>ListPanel</a:t>
             </a:r>
             <a:endParaRPr lang="en-SG" sz="1050" b="1" dirty="0">
               <a:solidFill>
@@ -10791,7 +10781,7 @@
         <p:spPr>
           <a:xfrm>
             <a:off x="2590800" y="2593339"/>
-            <a:ext cx="857767" cy="346760"/>
+            <a:ext cx="1066800" cy="346760"/>
           </a:xfrm>
           <a:prstGeom prst="rect">
             <a:avLst/>
@@ -10834,12 +10824,12 @@
           <a:p>
             <a:pPr algn="ctr"/>
             <a:r>
-              <a:rPr lang="en-US" sz="1050" b="1" dirty="0" smtClean="0">
+              <a:rPr lang="en-US" sz="1050" b="1" dirty="0" err="1" smtClean="0">
                 <a:solidFill>
                   <a:srgbClr val="0070C0"/>
                 </a:solidFill>
               </a:rPr>
-              <a:t>Parser</a:t>
+              <a:t>ParserManager</a:t>
             </a:r>
             <a:endParaRPr lang="en-SG" sz="1050" b="1" dirty="0">
               <a:solidFill>
@@ -11111,8 +11101,8 @@
         </p:nvCxnSpPr>
         <p:spPr>
           <a:xfrm>
-            <a:off x="3448567" y="2766719"/>
-            <a:ext cx="931007" cy="12822"/>
+            <a:off x="3657600" y="2766719"/>
+            <a:ext cx="721974" cy="12822"/>
           </a:xfrm>
           <a:prstGeom prst="straightConnector1">
             <a:avLst/>
@@ -12127,7 +12117,7 @@
                   <a:srgbClr val="0070C0"/>
                 </a:solidFill>
               </a:rPr>
-              <a:t>Save</a:t>
+              <a:t>List</a:t>
             </a:r>
             <a:r>
               <a:rPr lang="en-US" sz="1050" b="1" dirty="0" err="1" smtClean="0">
@@ -12191,15 +12181,7 @@
                   <a:srgbClr val="0070C0"/>
                 </a:solidFill>
               </a:rPr>
-              <a:t>Edit</a:t>
-            </a:r>
-            <a:r>
-              <a:rPr lang="en-US" sz="1050" b="1" dirty="0" err="1" smtClean="0">
-                <a:solidFill>
-                  <a:srgbClr val="0070C0"/>
-                </a:solidFill>
-              </a:rPr>
-              <a:t>Parser</a:t>
+              <a:t>EditParser</a:t>
             </a:r>
             <a:endParaRPr lang="en-SG" sz="1050" b="1" dirty="0">
               <a:solidFill>
@@ -12325,19 +12307,17 @@
         <p:nvCxnSpPr>
           <p:cNvPr id="173" name="Elbow Connector 172"/>
           <p:cNvCxnSpPr>
-            <a:stCxn id="18" idx="2"/>
+            <a:stCxn id="195" idx="3"/>
           </p:cNvCxnSpPr>
           <p:nvPr/>
         </p:nvCxnSpPr>
         <p:spPr>
           <a:xfrm rot="5400000">
-            <a:off x="1646392" y="2970107"/>
-            <a:ext cx="1403301" cy="1343284"/>
-          </a:xfrm>
-          <a:prstGeom prst="bentConnector3">
-            <a:avLst>
-              <a:gd name="adj1" fmla="val 34361"/>
-            </a:avLst>
+            <a:off x="2266949" y="2609850"/>
+            <a:ext cx="228603" cy="1409700"/>
+          </a:xfrm>
+          <a:prstGeom prst="bentConnector2">
+            <a:avLst/>
           </a:prstGeom>
           <a:ln w="19050">
             <a:solidFill>
@@ -12372,9 +12352,9 @@
           <p:nvPr/>
         </p:nvCxnSpPr>
         <p:spPr>
-          <a:xfrm rot="5400000" flipH="1" flipV="1">
-            <a:off x="1529191" y="3901989"/>
-            <a:ext cx="588620" cy="294202"/>
+          <a:xfrm rot="16200000" flipH="1">
+            <a:off x="1660611" y="3444789"/>
+            <a:ext cx="325780" cy="294202"/>
           </a:xfrm>
           <a:prstGeom prst="bentConnector2">
             <a:avLst/>
@@ -12413,8 +12393,8 @@
         </p:nvCxnSpPr>
         <p:spPr>
           <a:xfrm rot="16200000" flipH="1">
-            <a:off x="1475410" y="4544390"/>
-            <a:ext cx="706780" cy="304800"/>
+            <a:off x="1170610" y="4239590"/>
+            <a:ext cx="1316380" cy="304800"/>
           </a:xfrm>
           <a:prstGeom prst="bentConnector2">
             <a:avLst/>
@@ -12527,8 +12507,8 @@
         </p:nvSpPr>
         <p:spPr>
           <a:xfrm rot="10800000" flipV="1">
-            <a:off x="2895599" y="2971799"/>
-            <a:ext cx="228600" cy="228600"/>
+            <a:off x="2971800" y="2971800"/>
+            <a:ext cx="228600" cy="228599"/>
           </a:xfrm>
           <a:prstGeom prst="triangle">
             <a:avLst/>
@@ -12613,15 +12593,7 @@
                   <a:srgbClr val="0070C0"/>
                 </a:solidFill>
               </a:rPr>
-              <a:t>Mark</a:t>
-            </a:r>
-            <a:r>
-              <a:rPr lang="en-US" sz="900" b="1" dirty="0" err="1" smtClean="0">
-                <a:solidFill>
-                  <a:srgbClr val="0070C0"/>
-                </a:solidFill>
-              </a:rPr>
-              <a:t>Command</a:t>
+              <a:t>MarkCommand</a:t>
             </a:r>
             <a:endParaRPr lang="en-SG" sz="900" b="1" dirty="0">
               <a:solidFill>
@@ -12677,15 +12649,7 @@
                   <a:srgbClr val="0070C0"/>
                 </a:solidFill>
               </a:rPr>
-              <a:t>Help</a:t>
-            </a:r>
-            <a:r>
-              <a:rPr lang="en-US" sz="900" b="1" dirty="0" err="1" smtClean="0">
-                <a:solidFill>
-                  <a:srgbClr val="0070C0"/>
-                </a:solidFill>
-              </a:rPr>
-              <a:t>Command</a:t>
+              <a:t>HelpCommand</a:t>
             </a:r>
             <a:endParaRPr lang="en-SG" sz="900" b="1" dirty="0">
               <a:solidFill>
@@ -12741,15 +12705,7 @@
                   <a:srgbClr val="0070C0"/>
                 </a:solidFill>
               </a:rPr>
-              <a:t>Search</a:t>
-            </a:r>
-            <a:r>
-              <a:rPr lang="en-US" sz="900" b="1" dirty="0" err="1" smtClean="0">
-                <a:solidFill>
-                  <a:srgbClr val="0070C0"/>
-                </a:solidFill>
-              </a:rPr>
-              <a:t>Command</a:t>
+              <a:t>SearchCommand</a:t>
             </a:r>
             <a:endParaRPr lang="en-SG" sz="900" b="1" dirty="0">
               <a:solidFill>
@@ -13040,6 +12996,222 @@
           </a:effectRef>
           <a:fontRef idx="minor">
             <a:schemeClr val="dk1"/>
+          </a:fontRef>
+        </p:style>
+      </p:cxnSp>
+      <p:sp>
+        <p:nvSpPr>
+          <p:cNvPr id="66" name="Rectangle 11"/>
+          <p:cNvSpPr/>
+          <p:nvPr/>
+        </p:nvSpPr>
+        <p:spPr>
+          <a:xfrm flipH="1">
+            <a:off x="3581400" y="4191000"/>
+            <a:ext cx="1066800" cy="346760"/>
+          </a:xfrm>
+          <a:prstGeom prst="rect">
+            <a:avLst/>
+          </a:prstGeom>
+          <a:ln w="19050">
+            <a:solidFill>
+              <a:srgbClr val="0070C0"/>
+            </a:solidFill>
+          </a:ln>
+          <a:effectLst/>
+        </p:spPr>
+        <p:style>
+          <a:lnRef idx="1">
+            <a:schemeClr val="accent1"/>
+          </a:lnRef>
+          <a:fillRef idx="2">
+            <a:schemeClr val="accent1"/>
+          </a:fillRef>
+          <a:effectRef idx="1">
+            <a:schemeClr val="accent1"/>
+          </a:effectRef>
+          <a:fontRef idx="minor">
+            <a:schemeClr val="dk1"/>
+          </a:fontRef>
+        </p:style>
+        <p:txBody>
+          <a:bodyPr rtlCol="0" anchor="ctr"/>
+          <a:lstStyle/>
+          <a:p>
+            <a:pPr algn="ctr"/>
+            <a:r>
+              <a:rPr lang="en-US" sz="1050" b="1" dirty="0" smtClean="0">
+                <a:solidFill>
+                  <a:srgbClr val="0070C0"/>
+                </a:solidFill>
+              </a:rPr>
+              <a:t>&lt;&lt;interface&gt;&gt;</a:t>
+            </a:r>
+            <a:endParaRPr lang="en-US" sz="1050" b="1" dirty="0">
+              <a:solidFill>
+                <a:srgbClr val="0070C0"/>
+              </a:solidFill>
+            </a:endParaRPr>
+          </a:p>
+          <a:p>
+            <a:pPr algn="ctr"/>
+            <a:r>
+              <a:rPr lang="en-US" sz="1050" b="1" dirty="0" smtClean="0">
+                <a:solidFill>
+                  <a:srgbClr val="0070C0"/>
+                </a:solidFill>
+              </a:rPr>
+              <a:t>Parser</a:t>
+            </a:r>
+            <a:endParaRPr lang="en-SG" sz="1050" b="1" dirty="0">
+              <a:solidFill>
+                <a:srgbClr val="0070C0"/>
+              </a:solidFill>
+            </a:endParaRPr>
+          </a:p>
+        </p:txBody>
+      </p:sp>
+      <p:cxnSp>
+        <p:nvCxnSpPr>
+          <p:cNvPr id="63" name="Elbow Connector 62"/>
+          <p:cNvCxnSpPr>
+            <a:stCxn id="146" idx="1"/>
+            <a:endCxn id="66" idx="3"/>
+          </p:cNvCxnSpPr>
+          <p:nvPr/>
+        </p:nvCxnSpPr>
+        <p:spPr>
+          <a:xfrm>
+            <a:off x="3157000" y="3754780"/>
+            <a:ext cx="424400" cy="609600"/>
+          </a:xfrm>
+          <a:prstGeom prst="bentConnector3">
+            <a:avLst>
+              <a:gd name="adj1" fmla="val 45691"/>
+            </a:avLst>
+          </a:prstGeom>
+          <a:ln w="19050">
+            <a:prstDash val="sysDot"/>
+            <a:tailEnd type="triangle"/>
+          </a:ln>
+        </p:spPr>
+        <p:style>
+          <a:lnRef idx="1">
+            <a:schemeClr val="accent1"/>
+          </a:lnRef>
+          <a:fillRef idx="0">
+            <a:schemeClr val="accent1"/>
+          </a:fillRef>
+          <a:effectRef idx="0">
+            <a:schemeClr val="accent1"/>
+          </a:effectRef>
+          <a:fontRef idx="minor">
+            <a:schemeClr val="tx1"/>
+          </a:fontRef>
+        </p:style>
+      </p:cxnSp>
+      <p:cxnSp>
+        <p:nvCxnSpPr>
+          <p:cNvPr id="65" name="Elbow Connector 64"/>
+          <p:cNvCxnSpPr>
+            <a:stCxn id="171" idx="1"/>
+          </p:cNvCxnSpPr>
+          <p:nvPr/>
+        </p:nvCxnSpPr>
+        <p:spPr>
+          <a:xfrm flipV="1">
+            <a:off x="3167598" y="4419600"/>
+            <a:ext cx="185202" cy="630580"/>
+          </a:xfrm>
+          <a:prstGeom prst="bentConnector2">
+            <a:avLst/>
+          </a:prstGeom>
+          <a:ln w="19050">
+            <a:prstDash val="sysDot"/>
+          </a:ln>
+        </p:spPr>
+        <p:style>
+          <a:lnRef idx="1">
+            <a:schemeClr val="accent1"/>
+          </a:lnRef>
+          <a:fillRef idx="0">
+            <a:schemeClr val="accent1"/>
+          </a:fillRef>
+          <a:effectRef idx="0">
+            <a:schemeClr val="accent1"/>
+          </a:effectRef>
+          <a:fontRef idx="minor">
+            <a:schemeClr val="tx1"/>
+          </a:fontRef>
+        </p:style>
+      </p:cxnSp>
+      <p:cxnSp>
+        <p:nvCxnSpPr>
+          <p:cNvPr id="94" name="Elbow Connector 93"/>
+          <p:cNvCxnSpPr>
+            <a:stCxn id="144" idx="1"/>
+          </p:cNvCxnSpPr>
+          <p:nvPr/>
+        </p:nvCxnSpPr>
+        <p:spPr>
+          <a:xfrm flipV="1">
+            <a:off x="3157000" y="4343400"/>
+            <a:ext cx="195800" cy="249580"/>
+          </a:xfrm>
+          <a:prstGeom prst="bentConnector2">
+            <a:avLst/>
+          </a:prstGeom>
+          <a:ln w="19050">
+            <a:prstDash val="sysDot"/>
+          </a:ln>
+        </p:spPr>
+        <p:style>
+          <a:lnRef idx="1">
+            <a:schemeClr val="accent1"/>
+          </a:lnRef>
+          <a:fillRef idx="0">
+            <a:schemeClr val="accent1"/>
+          </a:fillRef>
+          <a:effectRef idx="0">
+            <a:schemeClr val="accent1"/>
+          </a:effectRef>
+          <a:fontRef idx="minor">
+            <a:schemeClr val="tx1"/>
+          </a:fontRef>
+        </p:style>
+      </p:cxnSp>
+      <p:cxnSp>
+        <p:nvCxnSpPr>
+          <p:cNvPr id="97" name="Elbow Connector 96"/>
+          <p:cNvCxnSpPr>
+            <a:stCxn id="145" idx="1"/>
+          </p:cNvCxnSpPr>
+          <p:nvPr/>
+        </p:nvCxnSpPr>
+        <p:spPr>
+          <a:xfrm flipV="1">
+            <a:off x="3153679" y="3810000"/>
+            <a:ext cx="199121" cy="366948"/>
+          </a:xfrm>
+          <a:prstGeom prst="bentConnector2">
+            <a:avLst/>
+          </a:prstGeom>
+          <a:ln w="19050">
+            <a:prstDash val="sysDot"/>
+          </a:ln>
+        </p:spPr>
+        <p:style>
+          <a:lnRef idx="1">
+            <a:schemeClr val="accent1"/>
+          </a:lnRef>
+          <a:fillRef idx="0">
+            <a:schemeClr val="accent1"/>
+          </a:fillRef>
+          <a:effectRef idx="0">
+            <a:schemeClr val="accent1"/>
+          </a:effectRef>
+          <a:fontRef idx="minor">
+            <a:schemeClr val="tx1"/>
           </a:fontRef>
         </p:style>
       </p:cxnSp>
